--- a/poster.pptx
+++ b/poster.pptx
@@ -125,7 +125,7 @@
 <file path=ppt/revisionInfo.xml><?xml version="1.0" encoding="utf-8"?>
 <p1510:revInfo xmlns:a="http://schemas.openxmlformats.org/drawingml/2006/main" xmlns:r="http://schemas.openxmlformats.org/officeDocument/2006/relationships" xmlns:p1510="http://schemas.microsoft.com/office/powerpoint/2015/10/main">
   <p1510:revLst>
-    <p1510:client id="{646A8515-FECA-4F42-B71F-2E80D08B8C08}" v="2760" dt="2018-07-26T05:11:35.519"/>
+    <p1510:client id="{646A8515-FECA-4F42-B71F-2E80D08B8C08}" v="4650" dt="2018-07-27T06:09:27.092"/>
   </p1510:revLst>
 </p1510:revInfo>
 </file>
@@ -135,7 +135,7 @@
   <pc:docChgLst>
     <pc:chgData name="Pratik Shrivastava" userId="65c6391b-c658-4512-a73a-4411b5fbaa50" providerId="ADAL" clId="{646A8515-FECA-4F42-B71F-2E80D08B8C08}"/>
     <pc:docChg chg="undo custSel addSld delSld modSld sldOrd">
-      <pc:chgData name="Pratik Shrivastava" userId="65c6391b-c658-4512-a73a-4411b5fbaa50" providerId="ADAL" clId="{646A8515-FECA-4F42-B71F-2E80D08B8C08}" dt="2018-07-26T05:11:35.519" v="2550"/>
+      <pc:chgData name="Pratik Shrivastava" userId="65c6391b-c658-4512-a73a-4411b5fbaa50" providerId="ADAL" clId="{646A8515-FECA-4F42-B71F-2E80D08B8C08}" dt="2018-07-27T06:09:27.092" v="4433" actId="1076"/>
       <pc:docMkLst>
         <pc:docMk/>
       </pc:docMkLst>
@@ -255,7 +255,7 @@
         </pc:spChg>
       </pc:sldChg>
       <pc:sldChg chg="addSp delSp modSp add">
-        <pc:chgData name="Pratik Shrivastava" userId="65c6391b-c658-4512-a73a-4411b5fbaa50" providerId="ADAL" clId="{646A8515-FECA-4F42-B71F-2E80D08B8C08}" dt="2018-07-26T05:08:48.400" v="2549" actId="1076"/>
+        <pc:chgData name="Pratik Shrivastava" userId="65c6391b-c658-4512-a73a-4411b5fbaa50" providerId="ADAL" clId="{646A8515-FECA-4F42-B71F-2E80D08B8C08}" dt="2018-07-27T06:09:27.092" v="4433" actId="1076"/>
         <pc:sldMkLst>
           <pc:docMk/>
           <pc:sldMk cId="1202543932" sldId="262"/>
@@ -269,7 +269,63 @@
           </ac:spMkLst>
         </pc:spChg>
         <pc:spChg chg="add mod">
-          <ac:chgData name="Pratik Shrivastava" userId="65c6391b-c658-4512-a73a-4411b5fbaa50" providerId="ADAL" clId="{646A8515-FECA-4F42-B71F-2E80D08B8C08}" dt="2018-07-26T04:29:20.670" v="2344" actId="14100"/>
+          <ac:chgData name="Pratik Shrivastava" userId="65c6391b-c658-4512-a73a-4411b5fbaa50" providerId="ADAL" clId="{646A8515-FECA-4F42-B71F-2E80D08B8C08}" dt="2018-07-27T02:32:30.353" v="2677" actId="1076"/>
+          <ac:spMkLst>
+            <pc:docMk/>
+            <pc:sldMk cId="1202543932" sldId="262"/>
+            <ac:spMk id="10" creationId="{CFDD5AF1-C94F-7247-914B-7C9192222B27}"/>
+          </ac:spMkLst>
+        </pc:spChg>
+        <pc:spChg chg="add mod">
+          <ac:chgData name="Pratik Shrivastava" userId="65c6391b-c658-4512-a73a-4411b5fbaa50" providerId="ADAL" clId="{646A8515-FECA-4F42-B71F-2E80D08B8C08}" dt="2018-07-27T02:47:53.301" v="3228" actId="164"/>
+          <ac:spMkLst>
+            <pc:docMk/>
+            <pc:sldMk cId="1202543932" sldId="262"/>
+            <ac:spMk id="12" creationId="{9FB59DE8-0D55-BD40-9932-11FA1C7B1B9E}"/>
+          </ac:spMkLst>
+        </pc:spChg>
+        <pc:spChg chg="add del mod">
+          <ac:chgData name="Pratik Shrivastava" userId="65c6391b-c658-4512-a73a-4411b5fbaa50" providerId="ADAL" clId="{646A8515-FECA-4F42-B71F-2E80D08B8C08}" dt="2018-07-27T05:51:43.361" v="3839" actId="478"/>
+          <ac:spMkLst>
+            <pc:docMk/>
+            <pc:sldMk cId="1202543932" sldId="262"/>
+            <ac:spMk id="15" creationId="{2D287F3F-F3FF-FB48-8EDC-6AB7A88531DE}"/>
+          </ac:spMkLst>
+        </pc:spChg>
+        <pc:spChg chg="add del mod">
+          <ac:chgData name="Pratik Shrivastava" userId="65c6391b-c658-4512-a73a-4411b5fbaa50" providerId="ADAL" clId="{646A8515-FECA-4F42-B71F-2E80D08B8C08}" dt="2018-07-27T02:57:46.607" v="3769" actId="478"/>
+          <ac:spMkLst>
+            <pc:docMk/>
+            <pc:sldMk cId="1202543932" sldId="262"/>
+            <ac:spMk id="16" creationId="{8AEA0269-A4DA-6247-9111-5D4D2537EE40}"/>
+          </ac:spMkLst>
+        </pc:spChg>
+        <pc:spChg chg="add del">
+          <ac:chgData name="Pratik Shrivastava" userId="65c6391b-c658-4512-a73a-4411b5fbaa50" providerId="ADAL" clId="{646A8515-FECA-4F42-B71F-2E80D08B8C08}" dt="2018-07-27T02:57:44.002" v="3768"/>
+          <ac:spMkLst>
+            <pc:docMk/>
+            <pc:sldMk cId="1202543932" sldId="262"/>
+            <ac:spMk id="17" creationId="{2198BACA-D102-6141-B39E-BAD29AEA020F}"/>
+          </ac:spMkLst>
+        </pc:spChg>
+        <pc:spChg chg="add mod">
+          <ac:chgData name="Pratik Shrivastava" userId="65c6391b-c658-4512-a73a-4411b5fbaa50" providerId="ADAL" clId="{646A8515-FECA-4F42-B71F-2E80D08B8C08}" dt="2018-07-27T05:44:54.660" v="3798" actId="1036"/>
+          <ac:spMkLst>
+            <pc:docMk/>
+            <pc:sldMk cId="1202543932" sldId="262"/>
+            <ac:spMk id="18" creationId="{B7E4280A-94A3-FC46-9AB8-7FE40531C3A5}"/>
+          </ac:spMkLst>
+        </pc:spChg>
+        <pc:spChg chg="add del mod">
+          <ac:chgData name="Pratik Shrivastava" userId="65c6391b-c658-4512-a73a-4411b5fbaa50" providerId="ADAL" clId="{646A8515-FECA-4F42-B71F-2E80D08B8C08}" dt="2018-07-27T05:59:44.480" v="3943" actId="767"/>
+          <ac:spMkLst>
+            <pc:docMk/>
+            <pc:sldMk cId="1202543932" sldId="262"/>
+            <ac:spMk id="25" creationId="{57585B9F-5C9A-D34B-BF32-9B300E2292BC}"/>
+          </ac:spMkLst>
+        </pc:spChg>
+        <pc:spChg chg="add mod">
+          <ac:chgData name="Pratik Shrivastava" userId="65c6391b-c658-4512-a73a-4411b5fbaa50" providerId="ADAL" clId="{646A8515-FECA-4F42-B71F-2E80D08B8C08}" dt="2018-07-27T02:37:29.163" v="2824" actId="14100"/>
           <ac:spMkLst>
             <pc:docMk/>
             <pc:sldMk cId="1202543932" sldId="262"/>
@@ -293,7 +349,7 @@
           </ac:spMkLst>
         </pc:spChg>
         <pc:spChg chg="add mod">
-          <ac:chgData name="Pratik Shrivastava" userId="65c6391b-c658-4512-a73a-4411b5fbaa50" providerId="ADAL" clId="{646A8515-FECA-4F42-B71F-2E80D08B8C08}" dt="2018-07-26T04:37:03.354" v="2381"/>
+          <ac:chgData name="Pratik Shrivastava" userId="65c6391b-c658-4512-a73a-4411b5fbaa50" providerId="ADAL" clId="{646A8515-FECA-4F42-B71F-2E80D08B8C08}" dt="2018-07-27T02:50:30.091" v="3245"/>
           <ac:spMkLst>
             <pc:docMk/>
             <pc:sldMk cId="1202543932" sldId="262"/>
@@ -301,23 +357,47 @@
           </ac:spMkLst>
         </pc:spChg>
         <pc:spChg chg="add mod">
-          <ac:chgData name="Pratik Shrivastava" userId="65c6391b-c658-4512-a73a-4411b5fbaa50" providerId="ADAL" clId="{646A8515-FECA-4F42-B71F-2E80D08B8C08}" dt="2018-07-26T05:06:41.547" v="2539" actId="14100"/>
+          <ac:chgData name="Pratik Shrivastava" userId="65c6391b-c658-4512-a73a-4411b5fbaa50" providerId="ADAL" clId="{646A8515-FECA-4F42-B71F-2E80D08B8C08}" dt="2018-07-27T05:44:45.906" v="3796" actId="1076"/>
           <ac:spMkLst>
             <pc:docMk/>
             <pc:sldMk cId="1202543932" sldId="262"/>
             <ac:spMk id="47" creationId="{D00ADA41-470F-E543-8707-A304269CD7ED}"/>
           </ac:spMkLst>
         </pc:spChg>
-        <pc:spChg chg="mod">
-          <ac:chgData name="Pratik Shrivastava" userId="65c6391b-c658-4512-a73a-4411b5fbaa50" providerId="ADAL" clId="{646A8515-FECA-4F42-B71F-2E80D08B8C08}" dt="2018-07-26T04:38:03.510" v="2433" actId="20577"/>
+        <pc:spChg chg="mod topLvl">
+          <ac:chgData name="Pratik Shrivastava" userId="65c6391b-c658-4512-a73a-4411b5fbaa50" providerId="ADAL" clId="{646A8515-FECA-4F42-B71F-2E80D08B8C08}" dt="2018-07-27T02:34:57.506" v="2809" actId="20577"/>
           <ac:spMkLst>
             <pc:docMk/>
             <pc:sldMk cId="1202543932" sldId="262"/>
             <ac:spMk id="51" creationId="{00000000-0000-0000-0000-000000000000}"/>
           </ac:spMkLst>
         </pc:spChg>
+        <pc:spChg chg="add mod">
+          <ac:chgData name="Pratik Shrivastava" userId="65c6391b-c658-4512-a73a-4411b5fbaa50" providerId="ADAL" clId="{646A8515-FECA-4F42-B71F-2E80D08B8C08}" dt="2018-07-27T02:57:39.261" v="3766"/>
+          <ac:spMkLst>
+            <pc:docMk/>
+            <pc:sldMk cId="1202543932" sldId="262"/>
+            <ac:spMk id="60" creationId="{8BDD8F5D-F56D-8D48-A25D-6F9FA503930C}"/>
+          </ac:spMkLst>
+        </pc:spChg>
+        <pc:spChg chg="add mod">
+          <ac:chgData name="Pratik Shrivastava" userId="65c6391b-c658-4512-a73a-4411b5fbaa50" providerId="ADAL" clId="{646A8515-FECA-4F42-B71F-2E80D08B8C08}" dt="2018-07-27T06:02:47.258" v="4003" actId="20577"/>
+          <ac:spMkLst>
+            <pc:docMk/>
+            <pc:sldMk cId="1202543932" sldId="262"/>
+            <ac:spMk id="72" creationId="{7CFE7A48-06B8-DF43-8D82-040139A58358}"/>
+          </ac:spMkLst>
+        </pc:spChg>
+        <pc:spChg chg="add mod">
+          <ac:chgData name="Pratik Shrivastava" userId="65c6391b-c658-4512-a73a-4411b5fbaa50" providerId="ADAL" clId="{646A8515-FECA-4F42-B71F-2E80D08B8C08}" dt="2018-07-27T06:07:53.823" v="4426" actId="14100"/>
+          <ac:spMkLst>
+            <pc:docMk/>
+            <pc:sldMk cId="1202543932" sldId="262"/>
+            <ac:spMk id="73" creationId="{F61DD71A-CFCC-8B46-9BAA-07EDDF538803}"/>
+          </ac:spMkLst>
+        </pc:spChg>
         <pc:spChg chg="mod">
-          <ac:chgData name="Pratik Shrivastava" userId="65c6391b-c658-4512-a73a-4411b5fbaa50" providerId="ADAL" clId="{646A8515-FECA-4F42-B71F-2E80D08B8C08}" dt="2018-07-26T05:08:48.400" v="2549" actId="1076"/>
+          <ac:chgData name="Pratik Shrivastava" userId="65c6391b-c658-4512-a73a-4411b5fbaa50" providerId="ADAL" clId="{646A8515-FECA-4F42-B71F-2E80D08B8C08}" dt="2018-07-27T02:37:52.071" v="2853" actId="20577"/>
           <ac:spMkLst>
             <pc:docMk/>
             <pc:sldMk cId="1202543932" sldId="262"/>
@@ -325,7 +405,7 @@
           </ac:spMkLst>
         </pc:spChg>
         <pc:spChg chg="mod">
-          <ac:chgData name="Pratik Shrivastava" userId="65c6391b-c658-4512-a73a-4411b5fbaa50" providerId="ADAL" clId="{646A8515-FECA-4F42-B71F-2E80D08B8C08}" dt="2018-07-26T05:08:37.029" v="2548" actId="403"/>
+          <ac:chgData name="Pratik Shrivastava" userId="65c6391b-c658-4512-a73a-4411b5fbaa50" providerId="ADAL" clId="{646A8515-FECA-4F42-B71F-2E80D08B8C08}" dt="2018-07-27T02:52:43.455" v="3271" actId="14100"/>
           <ac:spMkLst>
             <pc:docMk/>
             <pc:sldMk cId="1202543932" sldId="262"/>
@@ -333,7 +413,7 @@
           </ac:spMkLst>
         </pc:spChg>
         <pc:spChg chg="mod">
-          <ac:chgData name="Pratik Shrivastava" userId="65c6391b-c658-4512-a73a-4411b5fbaa50" providerId="ADAL" clId="{646A8515-FECA-4F42-B71F-2E80D08B8C08}" dt="2018-07-26T04:42:48.484" v="2503" actId="14100"/>
+          <ac:chgData name="Pratik Shrivastava" userId="65c6391b-c658-4512-a73a-4411b5fbaa50" providerId="ADAL" clId="{646A8515-FECA-4F42-B71F-2E80D08B8C08}" dt="2018-07-27T06:02:28.202" v="3966" actId="14100"/>
           <ac:spMkLst>
             <pc:docMk/>
             <pc:sldMk cId="1202543932" sldId="262"/>
@@ -341,7 +421,7 @@
           </ac:spMkLst>
         </pc:spChg>
         <pc:spChg chg="mod">
-          <ac:chgData name="Pratik Shrivastava" userId="65c6391b-c658-4512-a73a-4411b5fbaa50" providerId="ADAL" clId="{646A8515-FECA-4F42-B71F-2E80D08B8C08}" dt="2018-07-26T04:42:59.645" v="2505" actId="14100"/>
+          <ac:chgData name="Pratik Shrivastava" userId="65c6391b-c658-4512-a73a-4411b5fbaa50" providerId="ADAL" clId="{646A8515-FECA-4F42-B71F-2E80D08B8C08}" dt="2018-07-27T06:01:12.580" v="3952" actId="14100"/>
           <ac:spMkLst>
             <pc:docMk/>
             <pc:sldMk cId="1202543932" sldId="262"/>
@@ -349,7 +429,7 @@
           </ac:spMkLst>
         </pc:spChg>
         <pc:spChg chg="mod">
-          <ac:chgData name="Pratik Shrivastava" userId="65c6391b-c658-4512-a73a-4411b5fbaa50" providerId="ADAL" clId="{646A8515-FECA-4F42-B71F-2E80D08B8C08}" dt="2018-07-26T04:23:21.195" v="2307" actId="20577"/>
+          <ac:chgData name="Pratik Shrivastava" userId="65c6391b-c658-4512-a73a-4411b5fbaa50" providerId="ADAL" clId="{646A8515-FECA-4F42-B71F-2E80D08B8C08}" dt="2018-07-26T19:03:11.643" v="2575" actId="1076"/>
           <ac:spMkLst>
             <pc:docMk/>
             <pc:sldMk cId="1202543932" sldId="262"/>
@@ -357,7 +437,7 @@
           </ac:spMkLst>
         </pc:spChg>
         <pc:spChg chg="mod">
-          <ac:chgData name="Pratik Shrivastava" userId="65c6391b-c658-4512-a73a-4411b5fbaa50" providerId="ADAL" clId="{646A8515-FECA-4F42-B71F-2E80D08B8C08}" dt="2018-07-26T05:07:42.266" v="2543" actId="20577"/>
+          <ac:chgData name="Pratik Shrivastava" userId="65c6391b-c658-4512-a73a-4411b5fbaa50" providerId="ADAL" clId="{646A8515-FECA-4F42-B71F-2E80D08B8C08}" dt="2018-07-27T03:01:55.480" v="3792" actId="14100"/>
           <ac:spMkLst>
             <pc:docMk/>
             <pc:sldMk cId="1202543932" sldId="262"/>
@@ -477,19 +557,35 @@
           </ac:spMkLst>
         </pc:spChg>
         <pc:spChg chg="mod">
-          <ac:chgData name="Pratik Shrivastava" userId="65c6391b-c658-4512-a73a-4411b5fbaa50" providerId="ADAL" clId="{646A8515-FECA-4F42-B71F-2E80D08B8C08}" dt="2018-07-26T04:42:04.682" v="2496" actId="14100"/>
+          <ac:chgData name="Pratik Shrivastava" userId="65c6391b-c658-4512-a73a-4411b5fbaa50" providerId="ADAL" clId="{646A8515-FECA-4F42-B71F-2E80D08B8C08}" dt="2018-07-26T19:04:23.246" v="2586" actId="164"/>
           <ac:spMkLst>
             <pc:docMk/>
             <pc:sldMk cId="1202543932" sldId="262"/>
             <ac:spMk id="16408" creationId="{00000000-0000-0000-0000-000000000000}"/>
           </ac:spMkLst>
         </pc:spChg>
-        <pc:grpChg chg="add mod">
-          <ac:chgData name="Pratik Shrivastava" userId="65c6391b-c658-4512-a73a-4411b5fbaa50" providerId="ADAL" clId="{646A8515-FECA-4F42-B71F-2E80D08B8C08}" dt="2018-07-26T04:42:39.390" v="2501" actId="14100"/>
+        <pc:grpChg chg="add del mod">
+          <ac:chgData name="Pratik Shrivastava" userId="65c6391b-c658-4512-a73a-4411b5fbaa50" providerId="ADAL" clId="{646A8515-FECA-4F42-B71F-2E80D08B8C08}" dt="2018-07-27T02:28:57.819" v="2620"/>
           <ac:grpSpMkLst>
             <pc:docMk/>
             <pc:sldMk cId="1202543932" sldId="262"/>
             <ac:grpSpMk id="5" creationId="{E935BA82-DF2C-C149-BA9F-EC368EEDC4C4}"/>
+          </ac:grpSpMkLst>
+        </pc:grpChg>
+        <pc:grpChg chg="add mod">
+          <ac:chgData name="Pratik Shrivastava" userId="65c6391b-c658-4512-a73a-4411b5fbaa50" providerId="ADAL" clId="{646A8515-FECA-4F42-B71F-2E80D08B8C08}" dt="2018-07-27T06:01:33.911" v="3958" actId="14100"/>
+          <ac:grpSpMkLst>
+            <pc:docMk/>
+            <pc:sldMk cId="1202543932" sldId="262"/>
+            <ac:grpSpMk id="9" creationId="{29EBD24C-4E45-F740-8681-2CE4D1C0671C}"/>
+          </ac:grpSpMkLst>
+        </pc:grpChg>
+        <pc:grpChg chg="add mod">
+          <ac:chgData name="Pratik Shrivastava" userId="65c6391b-c658-4512-a73a-4411b5fbaa50" providerId="ADAL" clId="{646A8515-FECA-4F42-B71F-2E80D08B8C08}" dt="2018-07-27T05:58:10.303" v="3917" actId="14100"/>
+          <ac:grpSpMkLst>
+            <pc:docMk/>
+            <pc:sldMk cId="1202543932" sldId="262"/>
+            <ac:grpSpMk id="14" creationId="{36F452E5-6D28-0846-A6B7-F8EA02F525FA}"/>
           </ac:grpSpMkLst>
         </pc:grpChg>
         <pc:picChg chg="add del mod">
@@ -500,8 +596,8 @@
             <ac:picMk id="3" creationId="{F4784893-F9CD-454F-BDB6-00EC2189C4CC}"/>
           </ac:picMkLst>
         </pc:picChg>
-        <pc:picChg chg="add mod">
-          <ac:chgData name="Pratik Shrivastava" userId="65c6391b-c658-4512-a73a-4411b5fbaa50" providerId="ADAL" clId="{646A8515-FECA-4F42-B71F-2E80D08B8C08}" dt="2018-07-26T04:36:54.766" v="2380" actId="14100"/>
+        <pc:picChg chg="add del mod topLvl">
+          <ac:chgData name="Pratik Shrivastava" userId="65c6391b-c658-4512-a73a-4411b5fbaa50" providerId="ADAL" clId="{646A8515-FECA-4F42-B71F-2E80D08B8C08}" dt="2018-07-27T02:28:57.819" v="2620"/>
           <ac:picMkLst>
             <pc:docMk/>
             <pc:sldMk cId="1202543932" sldId="262"/>
@@ -524,12 +620,76 @@
             <ac:picMk id="7" creationId="{BBCE361B-DDFB-4949-B15C-3DBD15EC76FB}"/>
           </ac:picMkLst>
         </pc:picChg>
-        <pc:picChg chg="add mod">
-          <ac:chgData name="Pratik Shrivastava" userId="65c6391b-c658-4512-a73a-4411b5fbaa50" providerId="ADAL" clId="{646A8515-FECA-4F42-B71F-2E80D08B8C08}" dt="2018-07-26T05:06:31.863" v="2538" actId="14100"/>
+        <pc:picChg chg="add del mod">
+          <ac:chgData name="Pratik Shrivastava" userId="65c6391b-c658-4512-a73a-4411b5fbaa50" providerId="ADAL" clId="{646A8515-FECA-4F42-B71F-2E80D08B8C08}" dt="2018-07-27T02:38:03.673" v="2854" actId="478"/>
           <ac:picMkLst>
             <pc:docMk/>
             <pc:sldMk cId="1202543932" sldId="262"/>
             <ac:picMk id="8" creationId="{0B82350C-4640-B843-9EB3-45D8E46C6204}"/>
+          </ac:picMkLst>
+        </pc:picChg>
+        <pc:picChg chg="add mod">
+          <ac:chgData name="Pratik Shrivastava" userId="65c6391b-c658-4512-a73a-4411b5fbaa50" providerId="ADAL" clId="{646A8515-FECA-4F42-B71F-2E80D08B8C08}" dt="2018-07-27T02:36:34.778" v="2818" actId="1076"/>
+          <ac:picMkLst>
+            <pc:docMk/>
+            <pc:sldMk cId="1202543932" sldId="262"/>
+            <ac:picMk id="11" creationId="{2EB35FF1-9326-BB4D-BCB5-880D71537694}"/>
+          </ac:picMkLst>
+        </pc:picChg>
+        <pc:picChg chg="add mod">
+          <ac:chgData name="Pratik Shrivastava" userId="65c6391b-c658-4512-a73a-4411b5fbaa50" providerId="ADAL" clId="{646A8515-FECA-4F42-B71F-2E80D08B8C08}" dt="2018-07-27T02:47:53.301" v="3228" actId="164"/>
+          <ac:picMkLst>
+            <pc:docMk/>
+            <pc:sldMk cId="1202543932" sldId="262"/>
+            <ac:picMk id="13" creationId="{8DC0708E-03F8-4147-A2A3-13E9C606A104}"/>
+          </ac:picMkLst>
+        </pc:picChg>
+        <pc:picChg chg="add del mod">
+          <ac:chgData name="Pratik Shrivastava" userId="65c6391b-c658-4512-a73a-4411b5fbaa50" providerId="ADAL" clId="{646A8515-FECA-4F42-B71F-2E80D08B8C08}" dt="2018-07-27T05:49:59.994" v="3832" actId="478"/>
+          <ac:picMkLst>
+            <pc:docMk/>
+            <pc:sldMk cId="1202543932" sldId="262"/>
+            <ac:picMk id="20" creationId="{E335888A-F9A1-C748-BF02-912E2036A56A}"/>
+          </ac:picMkLst>
+        </pc:picChg>
+        <pc:picChg chg="add del mod">
+          <ac:chgData name="Pratik Shrivastava" userId="65c6391b-c658-4512-a73a-4411b5fbaa50" providerId="ADAL" clId="{646A8515-FECA-4F42-B71F-2E80D08B8C08}" dt="2018-07-27T05:48:04.973" v="3821" actId="478"/>
+          <ac:picMkLst>
+            <pc:docMk/>
+            <pc:sldMk cId="1202543932" sldId="262"/>
+            <ac:picMk id="21" creationId="{4CF48B34-917F-4F43-AF1B-E32AF63F520E}"/>
+          </ac:picMkLst>
+        </pc:picChg>
+        <pc:picChg chg="add mod">
+          <ac:chgData name="Pratik Shrivastava" userId="65c6391b-c658-4512-a73a-4411b5fbaa50" providerId="ADAL" clId="{646A8515-FECA-4F42-B71F-2E80D08B8C08}" dt="2018-07-27T05:49:36.533" v="3831" actId="14100"/>
+          <ac:picMkLst>
+            <pc:docMk/>
+            <pc:sldMk cId="1202543932" sldId="262"/>
+            <ac:picMk id="22" creationId="{3746B25E-0EB0-AC41-A827-E7C525B29026}"/>
+          </ac:picMkLst>
+        </pc:picChg>
+        <pc:picChg chg="add mod">
+          <ac:chgData name="Pratik Shrivastava" userId="65c6391b-c658-4512-a73a-4411b5fbaa50" providerId="ADAL" clId="{646A8515-FECA-4F42-B71F-2E80D08B8C08}" dt="2018-07-27T05:59:47.597" v="3945" actId="14100"/>
+          <ac:picMkLst>
+            <pc:docMk/>
+            <pc:sldMk cId="1202543932" sldId="262"/>
+            <ac:picMk id="23" creationId="{2FB99395-8898-994E-AEBA-850666579E7E}"/>
+          </ac:picMkLst>
+        </pc:picChg>
+        <pc:picChg chg="add mod">
+          <ac:chgData name="Pratik Shrivastava" userId="65c6391b-c658-4512-a73a-4411b5fbaa50" providerId="ADAL" clId="{646A8515-FECA-4F42-B71F-2E80D08B8C08}" dt="2018-07-27T05:55:31.878" v="3884" actId="1076"/>
+          <ac:picMkLst>
+            <pc:docMk/>
+            <pc:sldMk cId="1202543932" sldId="262"/>
+            <ac:picMk id="24" creationId="{8EBB1ABF-30FD-2D4F-BBFC-B8D19D22A600}"/>
+          </ac:picMkLst>
+        </pc:picChg>
+        <pc:picChg chg="add mod">
+          <ac:chgData name="Pratik Shrivastava" userId="65c6391b-c658-4512-a73a-4411b5fbaa50" providerId="ADAL" clId="{646A8515-FECA-4F42-B71F-2E80D08B8C08}" dt="2018-07-27T06:09:27.092" v="4433" actId="1076"/>
+          <ac:picMkLst>
+            <pc:docMk/>
+            <pc:sldMk cId="1202543932" sldId="262"/>
+            <ac:picMk id="26" creationId="{E5F46579-4753-B64B-95E7-874887E7156F}"/>
           </ac:picMkLst>
         </pc:picChg>
         <pc:picChg chg="del">
@@ -637,7 +797,7 @@
           </ac:picMkLst>
         </pc:picChg>
         <pc:picChg chg="add mod">
-          <ac:chgData name="Pratik Shrivastava" userId="65c6391b-c658-4512-a73a-4411b5fbaa50" providerId="ADAL" clId="{646A8515-FECA-4F42-B71F-2E80D08B8C08}" dt="2018-07-26T04:40:39.889" v="2464" actId="14100"/>
+          <ac:chgData name="Pratik Shrivastava" userId="65c6391b-c658-4512-a73a-4411b5fbaa50" providerId="ADAL" clId="{646A8515-FECA-4F42-B71F-2E80D08B8C08}" dt="2018-07-26T19:04:23.246" v="2586" actId="164"/>
           <ac:picMkLst>
             <pc:docMk/>
             <pc:sldMk cId="1202543932" sldId="262"/>
@@ -650,6 +810,22 @@
             <pc:docMk/>
             <pc:sldMk cId="1202543932" sldId="262"/>
             <ac:picMk id="50" creationId="{A1C08955-DB22-7044-95FC-98A6D0EEDCC8}"/>
+          </ac:picMkLst>
+        </pc:picChg>
+        <pc:picChg chg="add mod">
+          <ac:chgData name="Pratik Shrivastava" userId="65c6391b-c658-4512-a73a-4411b5fbaa50" providerId="ADAL" clId="{646A8515-FECA-4F42-B71F-2E80D08B8C08}" dt="2018-07-27T02:32:22.097" v="2676" actId="14100"/>
+          <ac:picMkLst>
+            <pc:docMk/>
+            <pc:sldMk cId="1202543932" sldId="262"/>
+            <ac:picMk id="53" creationId="{9D01B616-BF7E-4740-86F1-AD53C5617220}"/>
+          </ac:picMkLst>
+        </pc:picChg>
+        <pc:picChg chg="add">
+          <ac:chgData name="Pratik Shrivastava" userId="65c6391b-c658-4512-a73a-4411b5fbaa50" providerId="ADAL" clId="{646A8515-FECA-4F42-B71F-2E80D08B8C08}" dt="2018-07-27T05:53:52.575" v="3872"/>
+          <ac:picMkLst>
+            <pc:docMk/>
+            <pc:sldMk cId="1202543932" sldId="262"/>
+            <ac:picMk id="69" creationId="{A081A1B0-A5F5-624E-A39F-AF2942CEE880}"/>
           </ac:picMkLst>
         </pc:picChg>
       </pc:sldChg>
@@ -8004,7 +8180,7 @@
                 <a:latin typeface="Arial" charset="0"/>
                 <a:ea typeface="ＭＳ Ｐゴシック" pitchFamily="-65" charset="-128"/>
               </a:rPr>
-              <a:t>University of Illinois at Urbana-Champaign, University of New Mexico</a:t>
+              <a:t>University of Illinois at Urbana-Champaign, DataONE</a:t>
             </a:r>
           </a:p>
         </p:txBody>
@@ -8060,8 +8236,8 @@
         </p:nvSpPr>
         <p:spPr bwMode="auto">
           <a:xfrm>
-            <a:off x="1679500" y="184878"/>
-            <a:ext cx="8667750" cy="307777"/>
+            <a:off x="1524000" y="184878"/>
+            <a:ext cx="8823250" cy="307777"/>
           </a:xfrm>
           <a:prstGeom prst="rect">
             <a:avLst/>
@@ -8091,7 +8267,7 @@
           </a:extLst>
         </p:spPr>
         <p:txBody>
-          <a:bodyPr>
+          <a:bodyPr wrap="square">
             <a:spAutoFit/>
           </a:bodyPr>
           <a:lstStyle>
@@ -8217,7 +8393,7 @@
                 </a:solidFill>
                 <a:latin typeface="Arial Black" pitchFamily="-65" charset="0"/>
               </a:rPr>
-              <a:t>Identification of Science Resources &amp; Extraction of Standard Metadata Properties</a:t>
+              <a:t>Identification of Science Resources &amp; Tool for Extracting Standard Metadata Properties</a:t>
             </a:r>
             <a:endParaRPr lang="en-US" sz="2000" dirty="0">
               <a:solidFill>
@@ -8238,8 +8414,8 @@
         </p:nvSpPr>
         <p:spPr bwMode="auto">
           <a:xfrm>
-            <a:off x="6952978" y="6000750"/>
-            <a:ext cx="1548667" cy="619124"/>
+            <a:off x="8083461" y="6000749"/>
+            <a:ext cx="1765262" cy="631866"/>
           </a:xfrm>
           <a:prstGeom prst="rect">
             <a:avLst/>
@@ -8313,14 +8489,8 @@
               </a:spcAft>
             </a:pPr>
             <a:r>
-              <a:rPr lang="en-US" sz="583" dirty="0">
-                <a:solidFill>
-                  <a:prstClr val="black"/>
-                </a:solidFill>
-                <a:latin typeface="Arial" charset="0"/>
-                <a:ea typeface="ＭＳ Ｐゴシック" pitchFamily="-65" charset="-128"/>
-              </a:rPr>
-              <a:t>Check to make sure you’ve acknowledged partner and funding agencies, either with text or with their logos.</a:t>
+              <a:rPr lang="en-US" sz="800" dirty="0"/>
+              <a:t>Supported by NSF under Grant Numbers 0830944 and 1430508.</a:t>
             </a:r>
           </a:p>
         </p:txBody>
@@ -8335,8 +8505,8 @@
         </p:nvSpPr>
         <p:spPr bwMode="auto">
           <a:xfrm>
-            <a:off x="6952978" y="5023560"/>
-            <a:ext cx="3476897" cy="868604"/>
+            <a:off x="10735295" y="984249"/>
+            <a:ext cx="1074714" cy="3691836"/>
           </a:xfrm>
           <a:prstGeom prst="rect">
             <a:avLst/>
@@ -8401,24 +8571,16 @@
             </a:endParaRPr>
           </a:p>
           <a:p>
-            <a:pPr defTabSz="456995" fontAlgn="base">
+            <a:pPr marL="171450" indent="-171450" defTabSz="456995" fontAlgn="base">
               <a:spcBef>
                 <a:spcPct val="0"/>
               </a:spcBef>
               <a:spcAft>
                 <a:spcPct val="0"/>
               </a:spcAft>
+              <a:buFont typeface="Arial" panose="020B0604020202020204" pitchFamily="34" charset="0"/>
+              <a:buChar char="•"/>
             </a:pPr>
-            <a:r>
-              <a:rPr lang="en-US" sz="583" dirty="0">
-                <a:solidFill>
-                  <a:prstClr val="black"/>
-                </a:solidFill>
-                <a:latin typeface="Arial" charset="0"/>
-                <a:ea typeface="ＭＳ Ｐゴシック" pitchFamily="-65" charset="-128"/>
-              </a:rPr>
-              <a:t>We have created this template with scientific researchers in mind and with the help of feedback we have received.  We encourage any comments or suggestions so that we can continue to update and improve this template. </a:t>
-            </a:r>
             <a:r>
               <a:rPr lang="en-US" sz="583" dirty="0">
                 <a:solidFill>
@@ -8428,7 +8590,7 @@
                 <a:ea typeface="ＭＳ Ｐゴシック" pitchFamily="-65" charset="-128"/>
                 <a:hlinkClick r:id="rId3"/>
               </a:rPr>
-              <a:t>Visit this page to make a suggestion.</a:t>
+              <a:t>http://tika.apache.org</a:t>
             </a:r>
             <a:endParaRPr lang="en-US" sz="583" dirty="0">
               <a:solidFill>
@@ -8438,6 +8600,159 @@
               <a:ea typeface="ＭＳ Ｐゴシック" pitchFamily="-65" charset="-128"/>
             </a:endParaRPr>
           </a:p>
+          <a:p>
+            <a:pPr marL="171450" indent="-171450" defTabSz="456995" fontAlgn="base">
+              <a:spcBef>
+                <a:spcPct val="0"/>
+              </a:spcBef>
+              <a:spcAft>
+                <a:spcPct val="0"/>
+              </a:spcAft>
+              <a:buFont typeface="Arial" panose="020B0604020202020204" pitchFamily="34" charset="0"/>
+              <a:buChar char="•"/>
+            </a:pPr>
+            <a:r>
+              <a:rPr lang="en-US" sz="583" dirty="0">
+                <a:solidFill>
+                  <a:prstClr val="black"/>
+                </a:solidFill>
+                <a:latin typeface="Arial" charset="0"/>
+                <a:ea typeface="ＭＳ Ｐゴシック" pitchFamily="-65" charset="-128"/>
+                <a:hlinkClick r:id="rId4"/>
+              </a:rPr>
+              <a:t>https://github.com/apache/tika</a:t>
+            </a:r>
+            <a:endParaRPr lang="en-US" sz="583" dirty="0">
+              <a:solidFill>
+                <a:prstClr val="black"/>
+              </a:solidFill>
+              <a:latin typeface="Arial" charset="0"/>
+              <a:ea typeface="ＭＳ Ｐゴシック" pitchFamily="-65" charset="-128"/>
+            </a:endParaRPr>
+          </a:p>
+          <a:p>
+            <a:pPr marL="171450" indent="-171450" defTabSz="456995" fontAlgn="base">
+              <a:spcBef>
+                <a:spcPct val="0"/>
+              </a:spcBef>
+              <a:spcAft>
+                <a:spcPct val="0"/>
+              </a:spcAft>
+              <a:buFont typeface="Arial" panose="020B0604020202020204" pitchFamily="34" charset="0"/>
+              <a:buChar char="•"/>
+            </a:pPr>
+            <a:r>
+              <a:rPr lang="en-US" sz="583" dirty="0">
+                <a:solidFill>
+                  <a:prstClr val="black"/>
+                </a:solidFill>
+                <a:latin typeface="Arial" charset="0"/>
+                <a:ea typeface="ＭＳ Ｐゴシック" pitchFamily="-65" charset="-128"/>
+                <a:hlinkClick r:id="rId5"/>
+              </a:rPr>
+              <a:t>https://github.com/file/file</a:t>
+            </a:r>
+            <a:endParaRPr lang="en-US" sz="583" dirty="0">
+              <a:solidFill>
+                <a:prstClr val="black"/>
+              </a:solidFill>
+              <a:latin typeface="Arial" charset="0"/>
+              <a:ea typeface="ＭＳ Ｐゴシック" pitchFamily="-65" charset="-128"/>
+            </a:endParaRPr>
+          </a:p>
+          <a:p>
+            <a:pPr marL="171450" indent="-171450" defTabSz="456995" fontAlgn="base">
+              <a:spcBef>
+                <a:spcPct val="0"/>
+              </a:spcBef>
+              <a:spcAft>
+                <a:spcPct val="0"/>
+              </a:spcAft>
+              <a:buFont typeface="Arial" panose="020B0604020202020204" pitchFamily="34" charset="0"/>
+              <a:buChar char="•"/>
+            </a:pPr>
+            <a:r>
+              <a:rPr lang="en-US" sz="583" dirty="0">
+                <a:solidFill>
+                  <a:prstClr val="black"/>
+                </a:solidFill>
+                <a:latin typeface="Arial" charset="0"/>
+                <a:ea typeface="ＭＳ Ｐゴシック" pitchFamily="-65" charset="-128"/>
+                <a:hlinkClick r:id="rId6"/>
+              </a:rPr>
+              <a:t>http://openpreservation.org/blog/2012/08/09/magic-editing-and-creation-primer</a:t>
+            </a:r>
+            <a:endParaRPr lang="en-US" sz="583" dirty="0">
+              <a:solidFill>
+                <a:prstClr val="black"/>
+              </a:solidFill>
+              <a:latin typeface="Arial" charset="0"/>
+              <a:ea typeface="ＭＳ Ｐゴシック" pitchFamily="-65" charset="-128"/>
+            </a:endParaRPr>
+          </a:p>
+          <a:p>
+            <a:pPr marL="171450" indent="-171450" defTabSz="456995" fontAlgn="base">
+              <a:spcBef>
+                <a:spcPct val="0"/>
+              </a:spcBef>
+              <a:spcAft>
+                <a:spcPct val="0"/>
+              </a:spcAft>
+              <a:buFont typeface="Arial" panose="020B0604020202020204" pitchFamily="34" charset="0"/>
+              <a:buChar char="•"/>
+            </a:pPr>
+            <a:r>
+              <a:rPr lang="en-US" sz="583" dirty="0">
+                <a:solidFill>
+                  <a:prstClr val="black"/>
+                </a:solidFill>
+                <a:latin typeface="Arial" charset="0"/>
+                <a:ea typeface="ＭＳ Ｐゴシック" pitchFamily="-65" charset="-128"/>
+                <a:hlinkClick r:id="rId7"/>
+              </a:rPr>
+              <a:t>https://linux.die.net/man/1/file</a:t>
+            </a:r>
+            <a:endParaRPr lang="en-US" sz="583" dirty="0">
+              <a:solidFill>
+                <a:prstClr val="black"/>
+              </a:solidFill>
+              <a:latin typeface="Arial" charset="0"/>
+              <a:ea typeface="ＭＳ Ｐゴシック" pitchFamily="-65" charset="-128"/>
+            </a:endParaRPr>
+          </a:p>
+          <a:p>
+            <a:pPr marL="171450" indent="-171450" defTabSz="456995" fontAlgn="base">
+              <a:spcBef>
+                <a:spcPct val="0"/>
+              </a:spcBef>
+              <a:spcAft>
+                <a:spcPct val="0"/>
+              </a:spcAft>
+              <a:buFont typeface="Arial" panose="020B0604020202020204" pitchFamily="34" charset="0"/>
+              <a:buChar char="•"/>
+            </a:pPr>
+            <a:r>
+              <a:rPr lang="en-US" sz="583" dirty="0">
+                <a:solidFill>
+                  <a:prstClr val="black"/>
+                </a:solidFill>
+                <a:latin typeface="Arial" charset="0"/>
+                <a:ea typeface="ＭＳ Ｐゴシック" pitchFamily="-65" charset="-128"/>
+                <a:hlinkClick r:id="rId8"/>
+              </a:rPr>
+              <a:t>https://filemagic.readthedocs.io/en/latest/guide.html</a:t>
+            </a:r>
+            <a:r>
+              <a:rPr lang="en-US" sz="583" dirty="0">
+                <a:solidFill>
+                  <a:prstClr val="black"/>
+                </a:solidFill>
+                <a:latin typeface="Arial" charset="0"/>
+                <a:ea typeface="ＭＳ Ｐゴシック" pitchFamily="-65" charset="-128"/>
+              </a:rPr>
+              <a:t> </a:t>
+            </a:r>
+          </a:p>
         </p:txBody>
       </p:sp>
       <p:sp>
@@ -8450,8 +8765,8 @@
         </p:nvSpPr>
         <p:spPr bwMode="auto">
           <a:xfrm>
-            <a:off x="1762125" y="2914105"/>
-            <a:ext cx="2488988" cy="1528249"/>
+            <a:off x="365048" y="2336173"/>
+            <a:ext cx="3601645" cy="1268092"/>
           </a:xfrm>
           <a:prstGeom prst="rect">
             <a:avLst/>
@@ -8565,8 +8880,8 @@
         </p:nvSpPr>
         <p:spPr bwMode="auto">
           <a:xfrm>
-            <a:off x="1762125" y="984249"/>
-            <a:ext cx="2495768" cy="1856673"/>
+            <a:off x="360608" y="984249"/>
+            <a:ext cx="3606085" cy="1309079"/>
           </a:xfrm>
           <a:prstGeom prst="rect">
             <a:avLst/>
@@ -8688,7 +9003,13 @@
       </p:sp>
       <p:sp>
         <p:nvSpPr>
-          <p:cNvPr id="16408" name="Rectangle 35"/>
+          <p:cNvPr id="28" name="Rectangle 33">
+            <a:extLst>
+              <a:ext uri="{FF2B5EF4-FFF2-40B4-BE49-F238E27FC236}">
+                <a16:creationId xmlns:a16="http://schemas.microsoft.com/office/drawing/2014/main" id="{2B383402-B35E-454D-88F9-E9BCCEF73ACB}"/>
+              </a:ext>
+            </a:extLst>
+          </p:cNvPr>
           <p:cNvSpPr>
             <a:spLocks noChangeArrowheads="1"/>
           </p:cNvSpPr>
@@ -8696,8 +9017,8 @@
         </p:nvSpPr>
         <p:spPr bwMode="auto">
           <a:xfrm>
-            <a:off x="8569234" y="6000750"/>
-            <a:ext cx="1860641" cy="619125"/>
+            <a:off x="360607" y="3647110"/>
+            <a:ext cx="3606086" cy="1300275"/>
           </a:xfrm>
           <a:prstGeom prst="rect">
             <a:avLst/>
@@ -8733,69 +9054,6 @@
                 <a:spcPct val="0"/>
               </a:spcAft>
             </a:pPr>
-            <a:endParaRPr lang="en-US" sz="583">
-              <a:solidFill>
-                <a:prstClr val="black"/>
-              </a:solidFill>
-              <a:latin typeface="Arial" charset="0"/>
-              <a:ea typeface="ＭＳ Ｐゴシック" pitchFamily="-65" charset="-128"/>
-            </a:endParaRPr>
-          </a:p>
-        </p:txBody>
-      </p:sp>
-      <p:sp>
-        <p:nvSpPr>
-          <p:cNvPr id="28" name="Rectangle 33">
-            <a:extLst>
-              <a:ext uri="{FF2B5EF4-FFF2-40B4-BE49-F238E27FC236}">
-                <a16:creationId xmlns:a16="http://schemas.microsoft.com/office/drawing/2014/main" id="{2B383402-B35E-454D-88F9-E9BCCEF73ACB}"/>
-              </a:ext>
-            </a:extLst>
-          </p:cNvPr>
-          <p:cNvSpPr>
-            <a:spLocks noChangeArrowheads="1"/>
-          </p:cNvSpPr>
-          <p:nvPr/>
-        </p:nvSpPr>
-        <p:spPr bwMode="auto">
-          <a:xfrm>
-            <a:off x="1762125" y="4550173"/>
-            <a:ext cx="2488988" cy="2069702"/>
-          </a:xfrm>
-          <a:prstGeom prst="rect">
-            <a:avLst/>
-          </a:prstGeom>
-          <a:solidFill>
-            <a:schemeClr val="bg1"/>
-          </a:solidFill>
-          <a:ln>
-            <a:noFill/>
-          </a:ln>
-          <a:extLst>
-            <a:ext uri="{91240B29-F687-4f45-9708-019B960494DF}">
-              <a14:hiddenLine xmlns:mc="http://schemas.openxmlformats.org/markup-compatibility/2006" xmlns:mv="urn:schemas-microsoft-com:mac:vml" xmlns:a14="http://schemas.microsoft.com/office/drawing/2010/main" xmlns="" w="9525">
-                <a:solidFill>
-                  <a:srgbClr val="000000"/>
-                </a:solidFill>
-                <a:miter lim="800000"/>
-                <a:headEnd/>
-                <a:tailEnd/>
-              </a14:hiddenLine>
-            </a:ext>
-          </a:extLst>
-        </p:spPr>
-        <p:txBody>
-          <a:bodyPr lIns="75000" tIns="75000" rIns="75000" bIns="75000"/>
-          <a:lstStyle/>
-          <a:p>
-            <a:pPr defTabSz="456995" fontAlgn="base">
-              <a:spcBef>
-                <a:spcPct val="50000"/>
-              </a:spcBef>
-              <a:spcAft>
-                <a:spcPct val="0"/>
-              </a:spcAft>
-            </a:pPr>
             <a:r>
               <a:rPr lang="en-GB" sz="833" b="1" dirty="0">
                 <a:solidFill>
@@ -8806,26 +9064,13 @@
               </a:rPr>
               <a:t>File Command</a:t>
             </a:r>
-          </a:p>
-          <a:p>
-            <a:pPr defTabSz="456995" fontAlgn="base">
-              <a:spcBef>
-                <a:spcPct val="0"/>
-              </a:spcBef>
-              <a:spcAft>
-                <a:spcPct val="0"/>
-              </a:spcAft>
-            </a:pPr>
-            <a:r>
-              <a:rPr lang="en-US" sz="583" dirty="0">
-                <a:solidFill>
-                  <a:prstClr val="black"/>
-                </a:solidFill>
-                <a:latin typeface="Arial" charset="0"/>
-                <a:ea typeface="ＭＳ Ｐゴシック" pitchFamily="-65" charset="-128"/>
-              </a:rPr>
-              <a:t> </a:t>
-            </a:r>
+            <a:endParaRPr lang="en-US" sz="583" dirty="0">
+              <a:solidFill>
+                <a:prstClr val="black"/>
+              </a:solidFill>
+              <a:latin typeface="Arial" charset="0"/>
+              <a:ea typeface="ＭＳ Ｐゴシック" pitchFamily="-65" charset="-128"/>
+            </a:endParaRPr>
           </a:p>
           <a:p>
             <a:pPr marL="171450" indent="-171450">
@@ -8892,7 +9137,7 @@
           <p:nvPr/>
         </p:nvPicPr>
         <p:blipFill>
-          <a:blip r:embed="rId4">
+          <a:blip r:embed="rId9">
             <a:extLst>
               <a:ext uri="{28A0092B-C50C-407E-A947-70E740481C1C}">
                 <a14:useLocalDpi xmlns:a14="http://schemas.microsoft.com/office/drawing/2010/main" val="0"/>
@@ -8928,7 +9173,7 @@
           <p:nvPr/>
         </p:nvPicPr>
         <p:blipFill>
-          <a:blip r:embed="rId4">
+          <a:blip r:embed="rId9">
             <a:extLst>
               <a:ext uri="{28A0092B-C50C-407E-A947-70E740481C1C}">
                 <a14:useLocalDpi xmlns:a14="http://schemas.microsoft.com/office/drawing/2010/main" val="0"/>
@@ -8964,7 +9209,7 @@
           <p:nvPr/>
         </p:nvPicPr>
         <p:blipFill>
-          <a:blip r:embed="rId4">
+          <a:blip r:embed="rId9">
             <a:extLst>
               <a:ext uri="{28A0092B-C50C-407E-A947-70E740481C1C}">
                 <a14:useLocalDpi xmlns:a14="http://schemas.microsoft.com/office/drawing/2010/main" val="0"/>
@@ -9000,7 +9245,7 @@
           <p:nvPr/>
         </p:nvPicPr>
         <p:blipFill>
-          <a:blip r:embed="rId4">
+          <a:blip r:embed="rId9">
             <a:extLst>
               <a:ext uri="{28A0092B-C50C-407E-A947-70E740481C1C}">
                 <a14:useLocalDpi xmlns:a14="http://schemas.microsoft.com/office/drawing/2010/main" val="0"/>
@@ -9037,8 +9282,8 @@
         </p:nvSpPr>
         <p:spPr bwMode="auto">
           <a:xfrm>
-            <a:off x="4390930" y="984250"/>
-            <a:ext cx="2449619" cy="2220506"/>
+            <a:off x="360606" y="5009462"/>
+            <a:ext cx="3606087" cy="1623153"/>
           </a:xfrm>
           <a:prstGeom prst="rect">
             <a:avLst/>
@@ -9142,12 +9387,225 @@
           </a:p>
         </p:txBody>
       </p:sp>
+      <p:sp>
+        <p:nvSpPr>
+          <p:cNvPr id="51" name="Rectangle 50"/>
+          <p:cNvSpPr>
+            <a:spLocks noChangeArrowheads="1"/>
+          </p:cNvSpPr>
+          <p:nvPr/>
+        </p:nvSpPr>
+        <p:spPr bwMode="auto">
+          <a:xfrm>
+            <a:off x="4064371" y="984249"/>
+            <a:ext cx="3905382" cy="2303956"/>
+          </a:xfrm>
+          <a:prstGeom prst="rect">
+            <a:avLst/>
+          </a:prstGeom>
+          <a:solidFill>
+            <a:schemeClr val="bg1"/>
+          </a:solidFill>
+          <a:ln w="9525">
+            <a:noFill/>
+            <a:miter lim="800000"/>
+            <a:headEnd/>
+            <a:tailEnd/>
+          </a:ln>
+        </p:spPr>
+        <p:txBody>
+          <a:bodyPr lIns="75000" tIns="75000" rIns="75000" bIns="75000"/>
+          <a:lstStyle/>
+          <a:p>
+            <a:pPr marL="79362" indent="-79362" defTabSz="456995" fontAlgn="base">
+              <a:spcBef>
+                <a:spcPts val="100"/>
+              </a:spcBef>
+              <a:spcAft>
+                <a:spcPts val="200"/>
+              </a:spcAft>
+            </a:pPr>
+            <a:r>
+              <a:rPr lang="en-GB" sz="833" b="1" dirty="0">
+                <a:solidFill>
+                  <a:srgbClr val="CC3300"/>
+                </a:solidFill>
+                <a:latin typeface="Arial" charset="0"/>
+                <a:ea typeface="ＭＳ Ｐゴシック" pitchFamily="-65" charset="-128"/>
+              </a:rPr>
+              <a:t>DataONE Magic file</a:t>
+            </a:r>
+            <a:endParaRPr lang="en-US" sz="800" dirty="0"/>
+          </a:p>
+          <a:p>
+            <a:pPr marL="171450" indent="-171450">
+              <a:spcBef>
+                <a:spcPts val="100"/>
+              </a:spcBef>
+              <a:spcAft>
+                <a:spcPts val="200"/>
+              </a:spcAft>
+              <a:buFont typeface="Wingdings" pitchFamily="2" charset="2"/>
+              <a:buChar char="v"/>
+            </a:pPr>
+            <a:r>
+              <a:rPr lang="en-US" sz="800" dirty="0"/>
+              <a:t>Gathered a Test corpus for the known DataONE file formats. </a:t>
+            </a:r>
+          </a:p>
+          <a:p>
+            <a:pPr marL="171450" indent="-171450">
+              <a:spcBef>
+                <a:spcPts val="100"/>
+              </a:spcBef>
+              <a:spcAft>
+                <a:spcPts val="200"/>
+              </a:spcAft>
+              <a:buFont typeface="Wingdings" pitchFamily="2" charset="2"/>
+              <a:buChar char="v"/>
+            </a:pPr>
+            <a:endParaRPr lang="en-US" sz="800" dirty="0"/>
+          </a:p>
+          <a:p>
+            <a:pPr>
+              <a:spcBef>
+                <a:spcPts val="100"/>
+              </a:spcBef>
+              <a:spcAft>
+                <a:spcPts val="200"/>
+              </a:spcAft>
+            </a:pPr>
+            <a:endParaRPr lang="en-US" sz="800" dirty="0"/>
+          </a:p>
+          <a:p>
+            <a:pPr>
+              <a:spcBef>
+                <a:spcPts val="100"/>
+              </a:spcBef>
+              <a:spcAft>
+                <a:spcPts val="200"/>
+              </a:spcAft>
+            </a:pPr>
+            <a:endParaRPr lang="en-US" sz="800" dirty="0"/>
+          </a:p>
+          <a:p>
+            <a:pPr>
+              <a:spcBef>
+                <a:spcPts val="100"/>
+              </a:spcBef>
+              <a:spcAft>
+                <a:spcPts val="200"/>
+              </a:spcAft>
+            </a:pPr>
+            <a:endParaRPr lang="en-US" sz="800" dirty="0"/>
+          </a:p>
+          <a:p>
+            <a:pPr>
+              <a:spcBef>
+                <a:spcPts val="100"/>
+              </a:spcBef>
+              <a:spcAft>
+                <a:spcPts val="200"/>
+              </a:spcAft>
+            </a:pPr>
+            <a:endParaRPr lang="en-US" sz="800" dirty="0"/>
+          </a:p>
+          <a:p>
+            <a:pPr>
+              <a:spcBef>
+                <a:spcPts val="100"/>
+              </a:spcBef>
+              <a:spcAft>
+                <a:spcPts val="200"/>
+              </a:spcAft>
+            </a:pPr>
+            <a:endParaRPr lang="en-US" sz="800" dirty="0"/>
+          </a:p>
+          <a:p>
+            <a:pPr>
+              <a:spcBef>
+                <a:spcPts val="100"/>
+              </a:spcBef>
+              <a:spcAft>
+                <a:spcPts val="200"/>
+              </a:spcAft>
+            </a:pPr>
+            <a:endParaRPr lang="en-US" sz="800" dirty="0"/>
+          </a:p>
+          <a:p>
+            <a:pPr marL="171450" indent="-171450">
+              <a:spcBef>
+                <a:spcPts val="100"/>
+              </a:spcBef>
+              <a:spcAft>
+                <a:spcPts val="200"/>
+              </a:spcAft>
+              <a:buFont typeface="Wingdings" pitchFamily="2" charset="2"/>
+              <a:buChar char="v"/>
+            </a:pPr>
+            <a:r>
+              <a:rPr lang="en-US" sz="800" dirty="0"/>
+              <a:t>Compile magic files for the </a:t>
+            </a:r>
+            <a:r>
+              <a:rPr lang="en-US" sz="800" dirty="0" err="1"/>
+              <a:t>libmagic</a:t>
+            </a:r>
+            <a:r>
+              <a:rPr lang="en-US" sz="800" dirty="0"/>
+              <a:t> library of the file command.</a:t>
+            </a:r>
+          </a:p>
+          <a:p>
+            <a:pPr marL="171450" indent="-171450">
+              <a:spcBef>
+                <a:spcPts val="100"/>
+              </a:spcBef>
+              <a:spcAft>
+                <a:spcPts val="200"/>
+              </a:spcAft>
+              <a:buFont typeface="Wingdings" pitchFamily="2" charset="2"/>
+              <a:buChar char="v"/>
+            </a:pPr>
+            <a:r>
+              <a:rPr lang="en-US" sz="800" dirty="0">
+                <a:solidFill>
+                  <a:prstClr val="black"/>
+                </a:solidFill>
+                <a:latin typeface="Arial" charset="0"/>
+                <a:ea typeface="ＭＳ Ｐゴシック" pitchFamily="-65" charset="-128"/>
+              </a:rPr>
+              <a:t>Tested the magic file using unittest library in python. </a:t>
+            </a:r>
+          </a:p>
+          <a:p>
+            <a:pPr marL="79362" indent="-79362" defTabSz="456995" fontAlgn="base">
+              <a:spcBef>
+                <a:spcPct val="0"/>
+              </a:spcBef>
+              <a:spcAft>
+                <a:spcPct val="0"/>
+              </a:spcAft>
+            </a:pPr>
+            <a:r>
+              <a:rPr lang="en-US" sz="583" dirty="0">
+                <a:solidFill>
+                  <a:prstClr val="black"/>
+                </a:solidFill>
+                <a:latin typeface="Arial" charset="0"/>
+                <a:ea typeface="ＭＳ Ｐゴシック" pitchFamily="-65" charset="-128"/>
+              </a:rPr>
+              <a:t> </a:t>
+            </a:r>
+          </a:p>
+        </p:txBody>
+      </p:sp>
       <p:grpSp>
         <p:nvGrpSpPr>
-          <p:cNvPr id="5" name="Group 4">
+          <p:cNvPr id="9" name="Group 8">
             <a:extLst>
               <a:ext uri="{FF2B5EF4-FFF2-40B4-BE49-F238E27FC236}">
-                <a16:creationId xmlns:a16="http://schemas.microsoft.com/office/drawing/2014/main" id="{E935BA82-DF2C-C149-BA9F-EC368EEDC4C4}"/>
+                <a16:creationId xmlns:a16="http://schemas.microsoft.com/office/drawing/2014/main" id="{29EBD24C-4E45-F740-8681-2CE4D1C0671C}"/>
               </a:ext>
             </a:extLst>
           </p:cNvPr>
@@ -9156,15 +9614,15 @@
         </p:nvGrpSpPr>
         <p:grpSpPr>
           <a:xfrm>
-            <a:off x="4389957" y="3294957"/>
-            <a:ext cx="2450592" cy="3324917"/>
-            <a:chOff x="4387744" y="3331425"/>
-            <a:chExt cx="2450592" cy="3288450"/>
+            <a:off x="9949368" y="6000749"/>
+            <a:ext cx="1860641" cy="631866"/>
+            <a:chOff x="8569234" y="6000750"/>
+            <a:chExt cx="1860641" cy="619125"/>
           </a:xfrm>
         </p:grpSpPr>
         <p:sp>
           <p:nvSpPr>
-            <p:cNvPr id="51" name="Rectangle 50"/>
+            <p:cNvPr id="16408" name="Rectangle 35"/>
             <p:cNvSpPr>
               <a:spLocks noChangeArrowheads="1"/>
             </p:cNvSpPr>
@@ -9172,8 +9630,245 @@
           </p:nvSpPr>
           <p:spPr bwMode="auto">
             <a:xfrm>
-              <a:off x="4387744" y="3331425"/>
-              <a:ext cx="2450592" cy="3288450"/>
+              <a:off x="8569234" y="6000750"/>
+              <a:ext cx="1860641" cy="619125"/>
+            </a:xfrm>
+            <a:prstGeom prst="rect">
+              <a:avLst/>
+            </a:prstGeom>
+            <a:solidFill>
+              <a:schemeClr val="bg1"/>
+            </a:solidFill>
+            <a:ln>
+              <a:noFill/>
+            </a:ln>
+            <a:extLst>
+              <a:ext uri="{91240B29-F687-4f45-9708-019B960494DF}">
+                <a14:hiddenLine xmlns:mc="http://schemas.openxmlformats.org/markup-compatibility/2006" xmlns:mv="urn:schemas-microsoft-com:mac:vml" xmlns:a14="http://schemas.microsoft.com/office/drawing/2010/main" xmlns="" w="9525">
+                  <a:solidFill>
+                    <a:srgbClr val="000000"/>
+                  </a:solidFill>
+                  <a:miter lim="800000"/>
+                  <a:headEnd/>
+                  <a:tailEnd/>
+                </a14:hiddenLine>
+              </a:ext>
+            </a:extLst>
+          </p:spPr>
+          <p:txBody>
+            <a:bodyPr lIns="75000" tIns="75000" rIns="75000" bIns="75000"/>
+            <a:lstStyle/>
+            <a:p>
+              <a:pPr defTabSz="456995" fontAlgn="base">
+                <a:spcBef>
+                  <a:spcPct val="50000"/>
+                </a:spcBef>
+                <a:spcAft>
+                  <a:spcPct val="0"/>
+                </a:spcAft>
+              </a:pPr>
+              <a:endParaRPr lang="en-US" sz="583">
+                <a:solidFill>
+                  <a:prstClr val="black"/>
+                </a:solidFill>
+                <a:latin typeface="Arial" charset="0"/>
+                <a:ea typeface="ＭＳ Ｐゴシック" pitchFamily="-65" charset="-128"/>
+              </a:endParaRPr>
+            </a:p>
+          </p:txBody>
+        </p:sp>
+        <p:pic>
+          <p:nvPicPr>
+            <p:cNvPr id="46" name="Picture 45">
+              <a:extLst>
+                <a:ext uri="{FF2B5EF4-FFF2-40B4-BE49-F238E27FC236}">
+                  <a16:creationId xmlns:a16="http://schemas.microsoft.com/office/drawing/2014/main" id="{899BABC5-C7D4-F84A-9025-5458ED5A01B9}"/>
+                </a:ext>
+              </a:extLst>
+            </p:cNvPr>
+            <p:cNvPicPr>
+              <a:picLocks noChangeAspect="1"/>
+            </p:cNvPicPr>
+            <p:nvPr/>
+          </p:nvPicPr>
+          <p:blipFill>
+            <a:blip r:embed="rId10"/>
+            <a:stretch>
+              <a:fillRect/>
+            </a:stretch>
+          </p:blipFill>
+          <p:spPr>
+            <a:xfrm>
+              <a:off x="8669877" y="6094523"/>
+              <a:ext cx="1659353" cy="431577"/>
+            </a:xfrm>
+            <a:prstGeom prst="rect">
+              <a:avLst/>
+            </a:prstGeom>
+          </p:spPr>
+        </p:pic>
+      </p:grpSp>
+      <p:pic>
+        <p:nvPicPr>
+          <p:cNvPr id="53" name="Picture 52">
+            <a:extLst>
+              <a:ext uri="{FF2B5EF4-FFF2-40B4-BE49-F238E27FC236}">
+                <a16:creationId xmlns:a16="http://schemas.microsoft.com/office/drawing/2014/main" id="{9D01B616-BF7E-4740-86F1-AD53C5617220}"/>
+              </a:ext>
+            </a:extLst>
+          </p:cNvPr>
+          <p:cNvPicPr>
+            <a:picLocks noChangeAspect="1"/>
+          </p:cNvPicPr>
+          <p:nvPr/>
+        </p:nvPicPr>
+        <p:blipFill>
+          <a:blip r:embed="rId11"/>
+          <a:stretch>
+            <a:fillRect/>
+          </a:stretch>
+        </p:blipFill>
+        <p:spPr>
+          <a:xfrm>
+            <a:off x="5718031" y="1471238"/>
+            <a:ext cx="1769320" cy="1013112"/>
+          </a:xfrm>
+          <a:prstGeom prst="rect">
+            <a:avLst/>
+          </a:prstGeom>
+        </p:spPr>
+      </p:pic>
+      <p:sp>
+        <p:nvSpPr>
+          <p:cNvPr id="10" name="TextBox 9">
+            <a:extLst>
+              <a:ext uri="{FF2B5EF4-FFF2-40B4-BE49-F238E27FC236}">
+                <a16:creationId xmlns:a16="http://schemas.microsoft.com/office/drawing/2014/main" id="{CFDD5AF1-C94F-7247-914B-7C9192222B27}"/>
+              </a:ext>
+            </a:extLst>
+          </p:cNvPr>
+          <p:cNvSpPr txBox="1"/>
+          <p:nvPr/>
+        </p:nvSpPr>
+        <p:spPr>
+          <a:xfrm>
+            <a:off x="4064370" y="1566143"/>
+            <a:ext cx="1653661" cy="823302"/>
+          </a:xfrm>
+          <a:prstGeom prst="rect">
+            <a:avLst/>
+          </a:prstGeom>
+          <a:solidFill>
+            <a:schemeClr val="bg1"/>
+          </a:solidFill>
+        </p:spPr>
+        <p:txBody>
+          <a:bodyPr wrap="square" rtlCol="0">
+            <a:spAutoFit/>
+          </a:bodyPr>
+          <a:lstStyle/>
+          <a:p>
+            <a:pPr marL="171450" indent="-171450">
+              <a:spcBef>
+                <a:spcPts val="100"/>
+              </a:spcBef>
+              <a:spcAft>
+                <a:spcPts val="200"/>
+              </a:spcAft>
+              <a:buFont typeface="Wingdings" pitchFamily="2" charset="2"/>
+              <a:buChar char="v"/>
+            </a:pPr>
+            <a:r>
+              <a:rPr lang="en-US" sz="900" dirty="0"/>
+              <a:t>Define rules for DataONE file format Identification.</a:t>
+            </a:r>
+          </a:p>
+          <a:p>
+            <a:pPr marL="171450" indent="-171450">
+              <a:spcBef>
+                <a:spcPts val="100"/>
+              </a:spcBef>
+              <a:spcAft>
+                <a:spcPts val="200"/>
+              </a:spcAft>
+              <a:buFont typeface="Wingdings" pitchFamily="2" charset="2"/>
+              <a:buChar char="v"/>
+            </a:pPr>
+            <a:r>
+              <a:rPr lang="en-US" sz="900" dirty="0"/>
+              <a:t>Create Magic files for identifying DataONE file formats </a:t>
+            </a:r>
+          </a:p>
+        </p:txBody>
+      </p:sp>
+      <p:pic>
+        <p:nvPicPr>
+          <p:cNvPr id="11" name="Picture 10">
+            <a:extLst>
+              <a:ext uri="{FF2B5EF4-FFF2-40B4-BE49-F238E27FC236}">
+                <a16:creationId xmlns:a16="http://schemas.microsoft.com/office/drawing/2014/main" id="{2EB35FF1-9326-BB4D-BCB5-880D71537694}"/>
+              </a:ext>
+            </a:extLst>
+          </p:cNvPr>
+          <p:cNvPicPr>
+            <a:picLocks noChangeAspect="1"/>
+          </p:cNvPicPr>
+          <p:nvPr/>
+        </p:nvPicPr>
+        <p:blipFill>
+          <a:blip r:embed="rId12"/>
+          <a:stretch>
+            <a:fillRect/>
+          </a:stretch>
+        </p:blipFill>
+        <p:spPr>
+          <a:xfrm>
+            <a:off x="4240493" y="2918687"/>
+            <a:ext cx="3422650" cy="182245"/>
+          </a:xfrm>
+          <a:prstGeom prst="rect">
+            <a:avLst/>
+          </a:prstGeom>
+        </p:spPr>
+      </p:pic>
+      <p:grpSp>
+        <p:nvGrpSpPr>
+          <p:cNvPr id="14" name="Group 13">
+            <a:extLst>
+              <a:ext uri="{FF2B5EF4-FFF2-40B4-BE49-F238E27FC236}">
+                <a16:creationId xmlns:a16="http://schemas.microsoft.com/office/drawing/2014/main" id="{36F452E5-6D28-0846-A6B7-F8EA02F525FA}"/>
+              </a:ext>
+            </a:extLst>
+          </p:cNvPr>
+          <p:cNvGrpSpPr/>
+          <p:nvPr/>
+        </p:nvGrpSpPr>
+        <p:grpSpPr>
+          <a:xfrm>
+            <a:off x="4064370" y="3342586"/>
+            <a:ext cx="3902415" cy="1441502"/>
+            <a:chOff x="4064370" y="3374928"/>
+            <a:chExt cx="3905383" cy="1441502"/>
+          </a:xfrm>
+        </p:grpSpPr>
+        <p:sp>
+          <p:nvSpPr>
+            <p:cNvPr id="47" name="Rectangle 46">
+              <a:extLst>
+                <a:ext uri="{FF2B5EF4-FFF2-40B4-BE49-F238E27FC236}">
+                  <a16:creationId xmlns:a16="http://schemas.microsoft.com/office/drawing/2014/main" id="{D00ADA41-470F-E543-8707-A304269CD7ED}"/>
+                </a:ext>
+              </a:extLst>
+            </p:cNvPr>
+            <p:cNvSpPr>
+              <a:spLocks noChangeArrowheads="1"/>
+            </p:cNvSpPr>
+            <p:nvPr/>
+          </p:nvSpPr>
+          <p:spPr bwMode="auto">
+            <a:xfrm>
+              <a:off x="4064370" y="3374928"/>
+              <a:ext cx="3905383" cy="1335526"/>
             </a:xfrm>
             <a:prstGeom prst="rect">
               <a:avLst/>
@@ -9208,7 +9903,138 @@
                   <a:latin typeface="Arial" charset="0"/>
                   <a:ea typeface="ＭＳ Ｐゴシック" pitchFamily="-65" charset="-128"/>
                 </a:rPr>
-                <a:t>Creating Libmagic file</a:t>
+                <a:t>Custom File Detector using Tika</a:t>
+              </a:r>
+            </a:p>
+            <a:p>
+              <a:pPr marL="171450" indent="-171450">
+                <a:spcBef>
+                  <a:spcPts val="100"/>
+                </a:spcBef>
+                <a:spcAft>
+                  <a:spcPts val="200"/>
+                </a:spcAft>
+                <a:buFont typeface="Wingdings" pitchFamily="2" charset="2"/>
+                <a:buChar char="v"/>
+              </a:pPr>
+              <a:endParaRPr lang="en-US" sz="900" dirty="0"/>
+            </a:p>
+            <a:p>
+              <a:pPr marL="171450" indent="-171450">
+                <a:spcBef>
+                  <a:spcPts val="100"/>
+                </a:spcBef>
+                <a:spcAft>
+                  <a:spcPts val="200"/>
+                </a:spcAft>
+                <a:buFont typeface="Wingdings" pitchFamily="2" charset="2"/>
+                <a:buChar char="v"/>
+              </a:pPr>
+              <a:endParaRPr lang="en-US" sz="900" dirty="0"/>
+            </a:p>
+            <a:p>
+              <a:pPr marL="171450" indent="-171450">
+                <a:spcBef>
+                  <a:spcPts val="100"/>
+                </a:spcBef>
+                <a:spcAft>
+                  <a:spcPts val="200"/>
+                </a:spcAft>
+                <a:buFont typeface="Wingdings" pitchFamily="2" charset="2"/>
+                <a:buChar char="v"/>
+              </a:pPr>
+              <a:endParaRPr lang="en-US" sz="900" dirty="0"/>
+            </a:p>
+            <a:p>
+              <a:pPr marL="171450" indent="-171450">
+                <a:spcBef>
+                  <a:spcPts val="100"/>
+                </a:spcBef>
+                <a:spcAft>
+                  <a:spcPts val="200"/>
+                </a:spcAft>
+                <a:buFont typeface="Wingdings" pitchFamily="2" charset="2"/>
+                <a:buChar char="v"/>
+              </a:pPr>
+              <a:endParaRPr lang="en-US" sz="900" dirty="0"/>
+            </a:p>
+            <a:p>
+              <a:pPr marL="171450" indent="-171450">
+                <a:spcBef>
+                  <a:spcPts val="100"/>
+                </a:spcBef>
+                <a:spcAft>
+                  <a:spcPts val="200"/>
+                </a:spcAft>
+                <a:buFont typeface="Wingdings" pitchFamily="2" charset="2"/>
+                <a:buChar char="v"/>
+              </a:pPr>
+              <a:endParaRPr lang="en-US" sz="900" dirty="0"/>
+            </a:p>
+            <a:p>
+              <a:pPr marL="171450" indent="-171450">
+                <a:spcBef>
+                  <a:spcPts val="100"/>
+                </a:spcBef>
+                <a:spcAft>
+                  <a:spcPts val="200"/>
+                </a:spcAft>
+                <a:buFont typeface="Wingdings" pitchFamily="2" charset="2"/>
+                <a:buChar char="v"/>
+              </a:pPr>
+              <a:endParaRPr lang="en-US" sz="900" dirty="0"/>
+            </a:p>
+          </p:txBody>
+        </p:sp>
+        <p:sp>
+          <p:nvSpPr>
+            <p:cNvPr id="12" name="TextBox 11">
+              <a:extLst>
+                <a:ext uri="{FF2B5EF4-FFF2-40B4-BE49-F238E27FC236}">
+                  <a16:creationId xmlns:a16="http://schemas.microsoft.com/office/drawing/2014/main" id="{9FB59DE8-0D55-BD40-9932-11FA1C7B1B9E}"/>
+                </a:ext>
+              </a:extLst>
+            </p:cNvPr>
+            <p:cNvSpPr txBox="1"/>
+            <p:nvPr/>
+          </p:nvSpPr>
+          <p:spPr>
+            <a:xfrm>
+              <a:off x="4064371" y="3636620"/>
+              <a:ext cx="1974296" cy="1179810"/>
+            </a:xfrm>
+            <a:prstGeom prst="rect">
+              <a:avLst/>
+            </a:prstGeom>
+            <a:noFill/>
+          </p:spPr>
+          <p:txBody>
+            <a:bodyPr wrap="square" rtlCol="0">
+              <a:spAutoFit/>
+            </a:bodyPr>
+            <a:lstStyle/>
+            <a:p>
+              <a:pPr marL="171450" indent="-171450">
+                <a:spcBef>
+                  <a:spcPts val="100"/>
+                </a:spcBef>
+                <a:spcAft>
+                  <a:spcPts val="200"/>
+                </a:spcAft>
+                <a:buFont typeface="Wingdings" pitchFamily="2" charset="2"/>
+                <a:buChar char="v"/>
+              </a:pPr>
+              <a:r>
+                <a:rPr lang="en-US" sz="800" dirty="0"/>
+                <a:t>Create custom-</a:t>
+              </a:r>
+              <a:r>
+                <a:rPr lang="en-US" sz="800" dirty="0" err="1"/>
+                <a:t>mimetypes.xml</a:t>
+              </a:r>
+              <a:r>
+                <a:rPr lang="en-US" sz="800" dirty="0"/>
+                <a:t> and a jar file for identifying new file format .</a:t>
               </a:r>
             </a:p>
             <a:p>
@@ -9224,7 +10050,7 @@
               </a:pPr>
               <a:r>
                 <a:rPr lang="en-US" sz="800" dirty="0"/>
-                <a:t>Create Magic files for identifying DataONE file formats.</a:t>
+                <a:t>The xml supports magic numbers for file Identification. </a:t>
               </a:r>
             </a:p>
             <a:p>
@@ -9240,76 +10066,28 @@
               </a:pPr>
               <a:r>
                 <a:rPr lang="en-US" sz="800" dirty="0"/>
-                <a:t>Gathered a Test corpus for the known DataONE file formats. </a:t>
+                <a:t>Tika app with custom-</a:t>
+              </a:r>
+              <a:r>
+                <a:rPr lang="en-US" sz="800" dirty="0" err="1"/>
+                <a:t>mimtypes.jar</a:t>
+              </a:r>
+              <a:r>
+                <a:rPr lang="en-US" sz="800" dirty="0"/>
+                <a:t> is used for file detection. </a:t>
               </a:r>
             </a:p>
             <a:p>
-              <a:pPr marL="171450" indent="-171450">
-                <a:spcBef>
-                  <a:spcPts val="100"/>
-                </a:spcBef>
-                <a:spcAft>
-                  <a:spcPts val="200"/>
-                </a:spcAft>
-                <a:buFont typeface="Wingdings" pitchFamily="2" charset="2"/>
-                <a:buChar char="v"/>
-              </a:pPr>
-              <a:r>
-                <a:rPr lang="en-US" sz="800" dirty="0"/>
-                <a:t>Define rules for DataONE file format Identification. </a:t>
-              </a:r>
-            </a:p>
-            <a:p>
-              <a:pPr marL="171450" indent="-171450">
-                <a:spcBef>
-                  <a:spcPts val="100"/>
-                </a:spcBef>
-                <a:spcAft>
-                  <a:spcPts val="200"/>
-                </a:spcAft>
-                <a:buFont typeface="Wingdings" pitchFamily="2" charset="2"/>
-                <a:buChar char="v"/>
-              </a:pPr>
-              <a:r>
-                <a:rPr lang="en-US" sz="800" dirty="0"/>
-                <a:t>Compile magic files for the Libmagic library used by the file command.</a:t>
-              </a:r>
-              <a:endParaRPr lang="en-US" sz="583" b="1" dirty="0">
-                <a:solidFill>
-                  <a:prstClr val="black"/>
-                </a:solidFill>
-                <a:latin typeface="Arial" charset="0"/>
-                <a:ea typeface="ＭＳ Ｐゴシック" pitchFamily="-65" charset="-128"/>
-              </a:endParaRPr>
-            </a:p>
-            <a:p>
-              <a:pPr marL="79362" indent="-79362" defTabSz="456995" fontAlgn="base">
-                <a:spcBef>
-                  <a:spcPct val="0"/>
-                </a:spcBef>
-                <a:spcAft>
-                  <a:spcPct val="0"/>
-                </a:spcAft>
-              </a:pPr>
-              <a:r>
-                <a:rPr lang="en-US" sz="583" dirty="0">
-                  <a:solidFill>
-                    <a:prstClr val="black"/>
-                  </a:solidFill>
-                  <a:latin typeface="Arial" charset="0"/>
-                  <a:ea typeface="ＭＳ Ｐゴシック" pitchFamily="-65" charset="-128"/>
-                </a:rPr>
-                <a:t> </a:t>
-              </a:r>
+              <a:endParaRPr lang="en-US" sz="800" dirty="0"/>
             </a:p>
           </p:txBody>
         </p:sp>
         <p:pic>
           <p:nvPicPr>
-            <p:cNvPr id="4" name="Picture 3">
+            <p:cNvPr id="13" name="Picture 12">
               <a:extLst>
                 <a:ext uri="{FF2B5EF4-FFF2-40B4-BE49-F238E27FC236}">
-                  <a16:creationId xmlns:a16="http://schemas.microsoft.com/office/drawing/2014/main" id="{A9513213-A845-6A44-AD8A-A5D3CE9EA351}"/>
+                  <a16:creationId xmlns:a16="http://schemas.microsoft.com/office/drawing/2014/main" id="{8DC0708E-03F8-4147-A2A3-13E9C606A104}"/>
                 </a:ext>
               </a:extLst>
             </p:cNvPr>
@@ -9319,15 +10097,15 @@
             <p:nvPr/>
           </p:nvPicPr>
           <p:blipFill>
-            <a:blip r:embed="rId5"/>
+            <a:blip r:embed="rId13"/>
             <a:stretch>
               <a:fillRect/>
             </a:stretch>
           </p:blipFill>
           <p:spPr>
             <a:xfrm>
-              <a:off x="4470040" y="4799876"/>
-              <a:ext cx="2300708" cy="1712605"/>
+              <a:off x="6038391" y="3695908"/>
+              <a:ext cx="1876513" cy="843447"/>
             </a:xfrm>
             <a:prstGeom prst="rect">
               <a:avLst/>
@@ -9335,45 +10113,15 @@
           </p:spPr>
         </p:pic>
       </p:grpSp>
-      <p:pic>
-        <p:nvPicPr>
-          <p:cNvPr id="46" name="Picture 45">
+      <p:sp>
+        <p:nvSpPr>
+          <p:cNvPr id="60" name="Rectangle 59">
             <a:extLst>
               <a:ext uri="{FF2B5EF4-FFF2-40B4-BE49-F238E27FC236}">
-                <a16:creationId xmlns:a16="http://schemas.microsoft.com/office/drawing/2014/main" id="{899BABC5-C7D4-F84A-9025-5458ED5A01B9}"/>
+                <a16:creationId xmlns:a16="http://schemas.microsoft.com/office/drawing/2014/main" id="{8BDD8F5D-F56D-8D48-A25D-6F9FA503930C}"/>
               </a:ext>
             </a:extLst>
           </p:cNvPr>
-          <p:cNvPicPr>
-            <a:picLocks noChangeAspect="1"/>
-          </p:cNvPicPr>
-          <p:nvPr/>
-        </p:nvPicPr>
-        <p:blipFill>
-          <a:blip r:embed="rId6"/>
-          <a:stretch>
-            <a:fillRect/>
-          </a:stretch>
-        </p:blipFill>
-        <p:spPr>
-          <a:xfrm>
-            <a:off x="8656319" y="6079712"/>
-            <a:ext cx="1659353" cy="431577"/>
-          </a:xfrm>
-          <a:prstGeom prst="rect">
-            <a:avLst/>
-          </a:prstGeom>
-        </p:spPr>
-      </p:pic>
-      <p:sp>
-        <p:nvSpPr>
-          <p:cNvPr id="47" name="Rectangle 46">
-            <a:extLst>
-              <a:ext uri="{FF2B5EF4-FFF2-40B4-BE49-F238E27FC236}">
-                <a16:creationId xmlns:a16="http://schemas.microsoft.com/office/drawing/2014/main" id="{D00ADA41-470F-E543-8707-A304269CD7ED}"/>
-              </a:ext>
-            </a:extLst>
-          </p:cNvPr>
           <p:cNvSpPr>
             <a:spLocks noChangeArrowheads="1"/>
           </p:cNvSpPr>
@@ -9381,8 +10129,8 @@
         </p:nvSpPr>
         <p:spPr bwMode="auto">
           <a:xfrm>
-            <a:off x="6952979" y="984248"/>
-            <a:ext cx="3476896" cy="3959653"/>
+            <a:off x="4057056" y="4777924"/>
+            <a:ext cx="3909729" cy="1854691"/>
           </a:xfrm>
           <a:prstGeom prst="rect">
             <a:avLst/>
@@ -9417,9 +10165,40 @@
                 <a:latin typeface="Arial" charset="0"/>
                 <a:ea typeface="ＭＳ Ｐゴシック" pitchFamily="-65" charset="-128"/>
               </a:rPr>
-              <a:t>Apache Tika Detector &amp; Parser</a:t>
-            </a:r>
-          </a:p>
+              <a:t>DataONE Metadata Extraction Tool </a:t>
+            </a:r>
+          </a:p>
+        </p:txBody>
+      </p:sp>
+      <p:sp>
+        <p:nvSpPr>
+          <p:cNvPr id="18" name="Rectangle 17">
+            <a:extLst>
+              <a:ext uri="{FF2B5EF4-FFF2-40B4-BE49-F238E27FC236}">
+                <a16:creationId xmlns:a16="http://schemas.microsoft.com/office/drawing/2014/main" id="{B7E4280A-94A3-FC46-9AB8-7FE40531C3A5}"/>
+              </a:ext>
+            </a:extLst>
+          </p:cNvPr>
+          <p:cNvSpPr/>
+          <p:nvPr/>
+        </p:nvSpPr>
+        <p:spPr>
+          <a:xfrm>
+            <a:off x="5718031" y="5040448"/>
+            <a:ext cx="2248754" cy="1561966"/>
+          </a:xfrm>
+          <a:prstGeom prst="rect">
+            <a:avLst/>
+          </a:prstGeom>
+          <a:solidFill>
+            <a:schemeClr val="bg1"/>
+          </a:solidFill>
+        </p:spPr>
+        <p:txBody>
+          <a:bodyPr wrap="square">
+            <a:spAutoFit/>
+          </a:bodyPr>
+          <a:lstStyle/>
           <a:p>
             <a:pPr marL="171450" indent="-171450">
               <a:spcBef>
@@ -9432,16 +10211,8 @@
               <a:buChar char="v"/>
             </a:pPr>
             <a:r>
-              <a:rPr lang="en-US" sz="900" dirty="0"/>
-              <a:t>Create custom-</a:t>
-            </a:r>
-            <a:r>
-              <a:rPr lang="en-US" sz="900" dirty="0" err="1"/>
-              <a:t>mimetypes.xml</a:t>
-            </a:r>
-            <a:r>
-              <a:rPr lang="en-US" sz="900" dirty="0"/>
-              <a:t> file for identification using Tika.</a:t>
+              <a:rPr lang="en-US" sz="800" dirty="0"/>
+              <a:t>A configurable command line tool for extracting standard metadata properties for science resources. </a:t>
             </a:r>
           </a:p>
           <a:p>
@@ -9456,8 +10227,8 @@
               <a:buChar char="v"/>
             </a:pPr>
             <a:r>
-              <a:rPr lang="en-US" sz="900" dirty="0"/>
-              <a:t>It uses magic numbers as well for identification. </a:t>
+              <a:rPr lang="en-US" sz="800" dirty="0"/>
+              <a:t>It uses custom detector for identification of the file type.</a:t>
             </a:r>
           </a:p>
           <a:p>
@@ -9472,8 +10243,8 @@
               <a:buChar char="v"/>
             </a:pPr>
             <a:r>
-              <a:rPr lang="en-US" sz="900" dirty="0"/>
-              <a:t>Tika performs detection of the file type and based on that uses parsers for metadata extraction.  </a:t>
+              <a:rPr lang="en-US" sz="800" dirty="0"/>
+              <a:t>It is a custom namespace aware parsers for extraction of the metadata content from different file formats.</a:t>
             </a:r>
           </a:p>
           <a:p>
@@ -9488,10 +10259,241 @@
               <a:buChar char="v"/>
             </a:pPr>
             <a:r>
-              <a:rPr lang="en-US" sz="900" dirty="0"/>
-              <a:t>Created custom namespace aware parsers for extraction of the metadata content from different file formats. </a:t>
-            </a:r>
-          </a:p>
+              <a:rPr lang="en-US" sz="800" dirty="0"/>
+              <a:t>Uses a configuration file for extracting the metadata properties from a science resource. </a:t>
+            </a:r>
+          </a:p>
+        </p:txBody>
+      </p:sp>
+      <p:pic>
+        <p:nvPicPr>
+          <p:cNvPr id="22" name="Picture 21">
+            <a:extLst>
+              <a:ext uri="{FF2B5EF4-FFF2-40B4-BE49-F238E27FC236}">
+                <a16:creationId xmlns:a16="http://schemas.microsoft.com/office/drawing/2014/main" id="{3746B25E-0EB0-AC41-A827-E7C525B29026}"/>
+              </a:ext>
+            </a:extLst>
+          </p:cNvPr>
+          <p:cNvPicPr>
+            <a:picLocks noChangeAspect="1"/>
+          </p:cNvPicPr>
+          <p:nvPr/>
+        </p:nvPicPr>
+        <p:blipFill>
+          <a:blip r:embed="rId14"/>
+          <a:stretch>
+            <a:fillRect/>
+          </a:stretch>
+        </p:blipFill>
+        <p:spPr>
+          <a:xfrm>
+            <a:off x="4093241" y="5195404"/>
+            <a:ext cx="1689526" cy="1187450"/>
+          </a:xfrm>
+          <a:prstGeom prst="rect">
+            <a:avLst/>
+          </a:prstGeom>
+        </p:spPr>
+      </p:pic>
+      <p:pic>
+        <p:nvPicPr>
+          <p:cNvPr id="23" name="Picture 22">
+            <a:extLst>
+              <a:ext uri="{FF2B5EF4-FFF2-40B4-BE49-F238E27FC236}">
+                <a16:creationId xmlns:a16="http://schemas.microsoft.com/office/drawing/2014/main" id="{2FB99395-8898-994E-AEBA-850666579E7E}"/>
+              </a:ext>
+            </a:extLst>
+          </p:cNvPr>
+          <p:cNvPicPr>
+            <a:picLocks noChangeAspect="1"/>
+          </p:cNvPicPr>
+          <p:nvPr/>
+        </p:nvPicPr>
+        <p:blipFill>
+          <a:blip r:embed="rId15"/>
+          <a:stretch>
+            <a:fillRect/>
+          </a:stretch>
+        </p:blipFill>
+        <p:spPr>
+          <a:xfrm>
+            <a:off x="8083461" y="984249"/>
+            <a:ext cx="2584539" cy="3691836"/>
+          </a:xfrm>
+          <a:prstGeom prst="rect">
+            <a:avLst/>
+          </a:prstGeom>
+        </p:spPr>
+      </p:pic>
+      <p:pic>
+        <p:nvPicPr>
+          <p:cNvPr id="69" name="Picture 4" descr="nsf1.eps">
+            <a:extLst>
+              <a:ext uri="{FF2B5EF4-FFF2-40B4-BE49-F238E27FC236}">
+                <a16:creationId xmlns:a16="http://schemas.microsoft.com/office/drawing/2014/main" id="{A081A1B0-A5F5-624E-A39F-AF2942CEE880}"/>
+              </a:ext>
+            </a:extLst>
+          </p:cNvPr>
+          <p:cNvPicPr>
+            <a:picLocks noChangeAspect="1"/>
+          </p:cNvPicPr>
+          <p:nvPr/>
+        </p:nvPicPr>
+        <p:blipFill>
+          <a:blip r:embed="rId16"/>
+          <a:srcRect/>
+          <a:stretch>
+            <a:fillRect/>
+          </a:stretch>
+        </p:blipFill>
+        <p:spPr bwMode="auto">
+          <a:xfrm>
+            <a:off x="42059202" y="23587992"/>
+            <a:ext cx="1056750" cy="1021771"/>
+          </a:xfrm>
+          <a:prstGeom prst="rect">
+            <a:avLst/>
+          </a:prstGeom>
+          <a:noFill/>
+          <a:ln w="9525">
+            <a:noFill/>
+            <a:miter lim="800000"/>
+            <a:headEnd/>
+            <a:tailEnd/>
+          </a:ln>
+        </p:spPr>
+      </p:pic>
+      <p:pic>
+        <p:nvPicPr>
+          <p:cNvPr id="24" name="Picture 23">
+            <a:extLst>
+              <a:ext uri="{FF2B5EF4-FFF2-40B4-BE49-F238E27FC236}">
+                <a16:creationId xmlns:a16="http://schemas.microsoft.com/office/drawing/2014/main" id="{8EBB1ABF-30FD-2D4F-BBFC-B8D19D22A600}"/>
+              </a:ext>
+            </a:extLst>
+          </p:cNvPr>
+          <p:cNvPicPr>
+            <a:picLocks noChangeAspect="1"/>
+          </p:cNvPicPr>
+          <p:nvPr/>
+        </p:nvPicPr>
+        <p:blipFill>
+          <a:blip r:embed="rId17"/>
+          <a:stretch>
+            <a:fillRect/>
+          </a:stretch>
+        </p:blipFill>
+        <p:spPr>
+          <a:xfrm>
+            <a:off x="9485447" y="6038913"/>
+            <a:ext cx="284626" cy="277768"/>
+          </a:xfrm>
+          <a:prstGeom prst="rect">
+            <a:avLst/>
+          </a:prstGeom>
+        </p:spPr>
+      </p:pic>
+      <p:sp>
+        <p:nvSpPr>
+          <p:cNvPr id="72" name="Rectangle 71">
+            <a:extLst>
+              <a:ext uri="{FF2B5EF4-FFF2-40B4-BE49-F238E27FC236}">
+                <a16:creationId xmlns:a16="http://schemas.microsoft.com/office/drawing/2014/main" id="{7CFE7A48-06B8-DF43-8D82-040139A58358}"/>
+              </a:ext>
+            </a:extLst>
+          </p:cNvPr>
+          <p:cNvSpPr>
+            <a:spLocks noChangeArrowheads="1"/>
+          </p:cNvSpPr>
+          <p:nvPr/>
+        </p:nvSpPr>
+        <p:spPr bwMode="auto">
+          <a:xfrm>
+            <a:off x="8083462" y="4771789"/>
+            <a:ext cx="3726548" cy="1171420"/>
+          </a:xfrm>
+          <a:prstGeom prst="rect">
+            <a:avLst/>
+          </a:prstGeom>
+          <a:solidFill>
+            <a:schemeClr val="bg1"/>
+          </a:solidFill>
+          <a:ln w="9525">
+            <a:noFill/>
+            <a:miter lim="800000"/>
+            <a:headEnd/>
+            <a:tailEnd/>
+          </a:ln>
+        </p:spPr>
+        <p:txBody>
+          <a:bodyPr lIns="75000" tIns="75000" rIns="75000" bIns="75000"/>
+          <a:lstStyle/>
+          <a:p>
+            <a:pPr marL="79362" indent="-79362" defTabSz="456995" fontAlgn="base">
+              <a:spcBef>
+                <a:spcPct val="50000"/>
+              </a:spcBef>
+              <a:spcAft>
+                <a:spcPct val="0"/>
+              </a:spcAft>
+            </a:pPr>
+            <a:r>
+              <a:rPr lang="en-GB" sz="833" b="1" dirty="0">
+                <a:solidFill>
+                  <a:srgbClr val="CC3300"/>
+                </a:solidFill>
+                <a:latin typeface="Arial" charset="0"/>
+                <a:ea typeface="ＭＳ Ｐゴシック" pitchFamily="-65" charset="-128"/>
+              </a:rPr>
+              <a:t>Results / Conclusion: </a:t>
+            </a:r>
+          </a:p>
+          <a:p>
+            <a:pPr marL="79362" indent="-79362" defTabSz="456995" fontAlgn="base">
+              <a:spcBef>
+                <a:spcPct val="50000"/>
+              </a:spcBef>
+              <a:spcAft>
+                <a:spcPct val="0"/>
+              </a:spcAft>
+            </a:pPr>
+            <a:endParaRPr lang="en-GB" sz="833" b="1" dirty="0">
+              <a:solidFill>
+                <a:srgbClr val="CC3300"/>
+              </a:solidFill>
+              <a:latin typeface="Arial" charset="0"/>
+              <a:ea typeface="ＭＳ Ｐゴシック" pitchFamily="-65" charset="-128"/>
+            </a:endParaRPr>
+          </a:p>
+        </p:txBody>
+      </p:sp>
+      <p:sp>
+        <p:nvSpPr>
+          <p:cNvPr id="73" name="Rectangle 72">
+            <a:extLst>
+              <a:ext uri="{FF2B5EF4-FFF2-40B4-BE49-F238E27FC236}">
+                <a16:creationId xmlns:a16="http://schemas.microsoft.com/office/drawing/2014/main" id="{F61DD71A-CFCC-8B46-9BAA-07EDDF538803}"/>
+              </a:ext>
+            </a:extLst>
+          </p:cNvPr>
+          <p:cNvSpPr/>
+          <p:nvPr/>
+        </p:nvSpPr>
+        <p:spPr>
+          <a:xfrm>
+            <a:off x="9591575" y="4767125"/>
+            <a:ext cx="2218434" cy="1192634"/>
+          </a:xfrm>
+          <a:prstGeom prst="rect">
+            <a:avLst/>
+          </a:prstGeom>
+          <a:noFill/>
+        </p:spPr>
+        <p:txBody>
+          <a:bodyPr wrap="square">
+            <a:spAutoFit/>
+          </a:bodyPr>
+          <a:lstStyle/>
           <a:p>
             <a:pPr marL="171450" indent="-171450">
               <a:spcBef>
@@ -9504,8 +10506,8 @@
               <a:buChar char="v"/>
             </a:pPr>
             <a:r>
-              <a:rPr lang="en-US" sz="900" dirty="0"/>
-              <a:t>Created a command line application based on Tika, which uses a configuration file for extracting standard set of metadata fields based on the file type.</a:t>
+              <a:rPr lang="en-US" sz="800" dirty="0"/>
+              <a:t>An easily configurable tool for adding new file format. </a:t>
             </a:r>
           </a:p>
           <a:p>
@@ -9520,18 +10522,50 @@
               <a:buChar char="v"/>
             </a:pPr>
             <a:r>
-              <a:rPr lang="en-US" sz="900" dirty="0"/>
-              <a:t>It takes file as input and identifies the file format and extract metadata properties.</a:t>
+              <a:rPr lang="en-US" sz="800" dirty="0"/>
+              <a:t>Easier to add and remove metadata properties for file extraction. </a:t>
+            </a:r>
+          </a:p>
+          <a:p>
+            <a:pPr marL="171450" indent="-171450">
+              <a:spcBef>
+                <a:spcPts val="100"/>
+              </a:spcBef>
+              <a:spcAft>
+                <a:spcPts val="200"/>
+              </a:spcAft>
+              <a:buFont typeface="Wingdings" pitchFamily="2" charset="2"/>
+              <a:buChar char="v"/>
+            </a:pPr>
+            <a:r>
+              <a:rPr lang="en-US" sz="800" dirty="0"/>
+              <a:t>The output can be exported to JSON, CSV format. </a:t>
+            </a:r>
+          </a:p>
+          <a:p>
+            <a:pPr marL="171450" indent="-171450">
+              <a:spcBef>
+                <a:spcPts val="100"/>
+              </a:spcBef>
+              <a:spcAft>
+                <a:spcPts val="200"/>
+              </a:spcAft>
+              <a:buFont typeface="Wingdings" pitchFamily="2" charset="2"/>
+              <a:buChar char="v"/>
+            </a:pPr>
+            <a:r>
+              <a:rPr lang="en-US" sz="800" dirty="0"/>
+              <a:t>Highly usable in searching and indexing metadata contents. </a:t>
             </a:r>
           </a:p>
         </p:txBody>
       </p:sp>
       <p:pic>
         <p:nvPicPr>
-          <p:cNvPr id="8" name="Picture 7">
+          <p:cNvPr id="26" name="Picture 25">
             <a:extLst>
               <a:ext uri="{FF2B5EF4-FFF2-40B4-BE49-F238E27FC236}">
-                <a16:creationId xmlns:a16="http://schemas.microsoft.com/office/drawing/2014/main" id="{0B82350C-4640-B843-9EB3-45D8E46C6204}"/>
+                <a16:creationId xmlns:a16="http://schemas.microsoft.com/office/drawing/2014/main" id="{E5F46579-4753-B64B-95E7-874887E7156F}"/>
               </a:ext>
             </a:extLst>
           </p:cNvPr>
@@ -9541,15 +10575,15 @@
           <p:nvPr/>
         </p:nvPicPr>
         <p:blipFill>
-          <a:blip r:embed="rId7"/>
+          <a:blip r:embed="rId18"/>
           <a:stretch>
             <a:fillRect/>
           </a:stretch>
         </p:blipFill>
         <p:spPr>
           <a:xfrm>
-            <a:off x="7074921" y="2970126"/>
-            <a:ext cx="3240751" cy="1873337"/>
+            <a:off x="8219974" y="5036548"/>
+            <a:ext cx="1371600" cy="724137"/>
           </a:xfrm>
           <a:prstGeom prst="rect">
             <a:avLst/>
